--- a/Documents/Ground Control Station Overview.pptx
+++ b/Documents/Ground Control Station Overview.pptx
@@ -8,6 +8,10 @@
     <p:sldId id="256" r:id="rId2"/>
     <p:sldId id="257" r:id="rId3"/>
     <p:sldId id="264" r:id="rId4"/>
+    <p:sldId id="265" r:id="rId5"/>
+    <p:sldId id="266" r:id="rId6"/>
+    <p:sldId id="267" r:id="rId7"/>
+    <p:sldId id="268" r:id="rId8"/>
   </p:sldIdLst>
   <p:sldSz cx="12192000" cy="6858000"/>
   <p:notesSz cx="6858000" cy="9144000"/>
@@ -293,7 +297,7 @@
           <a:p>
             <a:fld id="{7641C023-4088-4D75-BBD8-CE482B98921B}" type="datetimeFigureOut">
               <a:rPr lang="en-US" smtClean="0"/>
-              <a:t>10/13/2019</a:t>
+              <a:t>10/27/2019</a:t>
             </a:fld>
             <a:endParaRPr lang="en-US"/>
           </a:p>
@@ -519,7 +523,7 @@
           <a:p>
             <a:fld id="{7641C023-4088-4D75-BBD8-CE482B98921B}" type="datetimeFigureOut">
               <a:rPr lang="en-US" smtClean="0"/>
-              <a:t>10/13/2019</a:t>
+              <a:t>10/27/2019</a:t>
             </a:fld>
             <a:endParaRPr lang="en-US"/>
           </a:p>
@@ -707,7 +711,7 @@
           <a:p>
             <a:fld id="{7641C023-4088-4D75-BBD8-CE482B98921B}" type="datetimeFigureOut">
               <a:rPr lang="en-US" smtClean="0"/>
-              <a:t>10/13/2019</a:t>
+              <a:t>10/27/2019</a:t>
             </a:fld>
             <a:endParaRPr lang="en-US"/>
           </a:p>
@@ -941,7 +945,7 @@
           <a:p>
             <a:fld id="{7641C023-4088-4D75-BBD8-CE482B98921B}" type="datetimeFigureOut">
               <a:rPr lang="en-US" smtClean="0"/>
-              <a:t>10/13/2019</a:t>
+              <a:t>10/27/2019</a:t>
             </a:fld>
             <a:endParaRPr lang="en-US"/>
           </a:p>
@@ -1243,7 +1247,7 @@
           <a:p>
             <a:fld id="{7641C023-4088-4D75-BBD8-CE482B98921B}" type="datetimeFigureOut">
               <a:rPr lang="en-US" smtClean="0"/>
-              <a:t>10/13/2019</a:t>
+              <a:t>10/27/2019</a:t>
             </a:fld>
             <a:endParaRPr lang="en-US"/>
           </a:p>
@@ -1508,7 +1512,7 @@
           <a:p>
             <a:fld id="{7641C023-4088-4D75-BBD8-CE482B98921B}" type="datetimeFigureOut">
               <a:rPr lang="en-US" smtClean="0"/>
-              <a:t>10/13/2019</a:t>
+              <a:t>10/27/2019</a:t>
             </a:fld>
             <a:endParaRPr lang="en-US"/>
           </a:p>
@@ -1977,7 +1981,7 @@
           <a:p>
             <a:fld id="{7641C023-4088-4D75-BBD8-CE482B98921B}" type="datetimeFigureOut">
               <a:rPr lang="en-US" smtClean="0"/>
-              <a:t>10/13/2019</a:t>
+              <a:t>10/27/2019</a:t>
             </a:fld>
             <a:endParaRPr lang="en-US"/>
           </a:p>
@@ -2202,7 +2206,7 @@
           <a:p>
             <a:fld id="{7641C023-4088-4D75-BBD8-CE482B98921B}" type="datetimeFigureOut">
               <a:rPr lang="en-US" smtClean="0"/>
-              <a:t>10/13/2019</a:t>
+              <a:t>10/27/2019</a:t>
             </a:fld>
             <a:endParaRPr lang="en-US"/>
           </a:p>
@@ -2427,7 +2431,7 @@
           <a:p>
             <a:fld id="{7641C023-4088-4D75-BBD8-CE482B98921B}" type="datetimeFigureOut">
               <a:rPr lang="en-US" smtClean="0"/>
-              <a:t>10/13/2019</a:t>
+              <a:t>10/27/2019</a:t>
             </a:fld>
             <a:endParaRPr lang="en-US"/>
           </a:p>
@@ -2712,7 +2716,7 @@
           <a:p>
             <a:fld id="{7641C023-4088-4D75-BBD8-CE482B98921B}" type="datetimeFigureOut">
               <a:rPr lang="en-US" smtClean="0"/>
-              <a:t>10/13/2019</a:t>
+              <a:t>10/27/2019</a:t>
             </a:fld>
             <a:endParaRPr lang="en-US"/>
           </a:p>
@@ -2973,7 +2977,7 @@
           <a:p>
             <a:fld id="{7641C023-4088-4D75-BBD8-CE482B98921B}" type="datetimeFigureOut">
               <a:rPr lang="en-US" smtClean="0"/>
-              <a:t>10/13/2019</a:t>
+              <a:t>10/27/2019</a:t>
             </a:fld>
             <a:endParaRPr lang="en-US"/>
           </a:p>
@@ -3194,7 +3198,7 @@
           <a:p>
             <a:fld id="{7641C023-4088-4D75-BBD8-CE482B98921B}" type="datetimeFigureOut">
               <a:rPr lang="en-US" smtClean="0"/>
-              <a:t>10/13/2019</a:t>
+              <a:t>10/27/2019</a:t>
             </a:fld>
             <a:endParaRPr lang="en-US"/>
           </a:p>
@@ -3721,37 +3725,38 @@
           <a:p>
             <a:r>
               <a:rPr lang="en-US" dirty="0" smtClean="0"/>
-              <a:t>Approach</a:t>
-            </a:r>
+              <a:t>Overview</a:t>
+            </a:r>
+            <a:endParaRPr lang="en-US" dirty="0"/>
           </a:p>
           <a:p>
             <a:r>
               <a:rPr lang="en-US" dirty="0" smtClean="0"/>
-              <a:t>Legacy System Overview</a:t>
-            </a:r>
-          </a:p>
-          <a:p>
+              <a:t>Control </a:t>
+            </a:r>
             <a:r>
               <a:rPr lang="en-US" dirty="0" smtClean="0"/>
-              <a:t>Ground Station</a:t>
+              <a:t>Interface</a:t>
+            </a:r>
+          </a:p>
+          <a:p>
+            <a:r>
+              <a:rPr lang="en-US" dirty="0" smtClean="0"/>
+              <a:t>Communications</a:t>
+            </a:r>
+          </a:p>
+          <a:p>
+            <a:r>
+              <a:rPr lang="en-US" dirty="0" smtClean="0"/>
+              <a:t>Power System</a:t>
+            </a:r>
+          </a:p>
+          <a:p>
+            <a:r>
+              <a:rPr lang="en-US" dirty="0" err="1" smtClean="0"/>
+              <a:t>Tranportability</a:t>
             </a:r>
             <a:endParaRPr lang="en-US" dirty="0" smtClean="0"/>
-          </a:p>
-          <a:p>
-            <a:r>
-              <a:rPr lang="en-US" dirty="0"/>
-              <a:t>Nomad Program </a:t>
-            </a:r>
-            <a:r>
-              <a:rPr lang="en-US" dirty="0" smtClean="0"/>
-              <a:t>Overview</a:t>
-            </a:r>
-          </a:p>
-          <a:p>
-            <a:r>
-              <a:rPr lang="en-US" dirty="0" smtClean="0"/>
-              <a:t>Nomad Specific Modifications</a:t>
-            </a:r>
           </a:p>
         </p:txBody>
       </p:sp>
@@ -3802,7 +3807,7 @@
           <a:p>
             <a:r>
               <a:rPr lang="en-US" dirty="0" smtClean="0"/>
-              <a:t>Payloads Overview</a:t>
+              <a:t>Overview</a:t>
             </a:r>
             <a:endParaRPr lang="en-US" dirty="0"/>
           </a:p>
@@ -3823,7 +3828,58 @@
           <a:bodyPr/>
           <a:lstStyle/>
           <a:p>
-            <a:endParaRPr lang="en-US"/>
+            <a:r>
+              <a:rPr lang="en-US" dirty="0" smtClean="0"/>
+              <a:t>OV-1 like…</a:t>
+            </a:r>
+          </a:p>
+          <a:p>
+            <a:pPr lvl="1"/>
+            <a:r>
+              <a:rPr lang="en-US" dirty="0" smtClean="0"/>
+              <a:t>Toughbook laptop</a:t>
+            </a:r>
+          </a:p>
+          <a:p>
+            <a:pPr lvl="1"/>
+            <a:r>
+              <a:rPr lang="en-US" dirty="0" smtClean="0"/>
+              <a:t>Control shipping case</a:t>
+            </a:r>
+          </a:p>
+          <a:p>
+            <a:pPr lvl="2"/>
+            <a:r>
+              <a:rPr lang="en-US" dirty="0" smtClean="0"/>
+              <a:t>Holds laptop and controller</a:t>
+            </a:r>
+          </a:p>
+          <a:p>
+            <a:pPr lvl="2"/>
+            <a:r>
+              <a:rPr lang="en-US" dirty="0" smtClean="0"/>
+              <a:t>Integrated power system and </a:t>
+            </a:r>
+            <a:r>
+              <a:rPr lang="en-US" dirty="0" err="1" smtClean="0"/>
+              <a:t>comms</a:t>
+            </a:r>
+            <a:endParaRPr lang="en-US" dirty="0" smtClean="0"/>
+          </a:p>
+          <a:p>
+            <a:pPr lvl="1"/>
+            <a:r>
+              <a:rPr lang="en-US" dirty="0" smtClean="0"/>
+              <a:t>Vehicle shipping case</a:t>
+            </a:r>
+          </a:p>
+          <a:p>
+            <a:pPr lvl="2"/>
+            <a:r>
+              <a:rPr lang="en-US" dirty="0" smtClean="0"/>
+              <a:t>Holds AV and accessories</a:t>
+            </a:r>
+            <a:endParaRPr lang="en-US" dirty="0"/>
           </a:p>
         </p:txBody>
       </p:sp>
@@ -3831,6 +3887,357 @@
     <p:extLst>
       <p:ext uri="{BB962C8B-B14F-4D97-AF65-F5344CB8AC3E}">
         <p14:creationId xmlns:p14="http://schemas.microsoft.com/office/powerpoint/2010/main" val="3312268664"/>
+      </p:ext>
+    </p:extLst>
+  </p:cSld>
+  <p:clrMapOvr>
+    <a:masterClrMapping/>
+  </p:clrMapOvr>
+</p:sld>
+</file>
+
+<file path=ppt/slides/slide4.xml><?xml version="1.0" encoding="utf-8"?>
+<p:sld xmlns:a="http://schemas.openxmlformats.org/drawingml/2006/main" xmlns:r="http://schemas.openxmlformats.org/officeDocument/2006/relationships" xmlns:p="http://schemas.openxmlformats.org/presentationml/2006/main">
+  <p:cSld>
+    <p:spTree>
+      <p:nvGrpSpPr>
+        <p:cNvPr id="1" name=""/>
+        <p:cNvGrpSpPr/>
+        <p:nvPr/>
+      </p:nvGrpSpPr>
+      <p:grpSpPr>
+        <a:xfrm>
+          <a:off x="0" y="0"/>
+          <a:ext cx="0" cy="0"/>
+          <a:chOff x="0" y="0"/>
+          <a:chExt cx="0" cy="0"/>
+        </a:xfrm>
+      </p:grpSpPr>
+      <p:sp>
+        <p:nvSpPr>
+          <p:cNvPr id="2" name="Title 1"/>
+          <p:cNvSpPr>
+            <a:spLocks noGrp="1"/>
+          </p:cNvSpPr>
+          <p:nvPr>
+            <p:ph type="title"/>
+          </p:nvPr>
+        </p:nvSpPr>
+        <p:spPr/>
+        <p:txBody>
+          <a:bodyPr/>
+          <a:lstStyle/>
+          <a:p>
+            <a:r>
+              <a:rPr lang="en-US" dirty="0" smtClean="0"/>
+              <a:t>Control Interface</a:t>
+            </a:r>
+            <a:endParaRPr lang="en-US" dirty="0"/>
+          </a:p>
+        </p:txBody>
+      </p:sp>
+      <p:sp>
+        <p:nvSpPr>
+          <p:cNvPr id="3" name="Content Placeholder 2"/>
+          <p:cNvSpPr>
+            <a:spLocks noGrp="1"/>
+          </p:cNvSpPr>
+          <p:nvPr>
+            <p:ph idx="1"/>
+          </p:nvPr>
+        </p:nvSpPr>
+        <p:spPr/>
+        <p:txBody>
+          <a:bodyPr/>
+          <a:lstStyle/>
+          <a:p>
+            <a:r>
+              <a:rPr lang="en-US" dirty="0" smtClean="0"/>
+              <a:t>COTS Toughbook laptop</a:t>
+            </a:r>
+          </a:p>
+          <a:p>
+            <a:pPr lvl="1"/>
+            <a:r>
+              <a:rPr lang="en-US" dirty="0" smtClean="0"/>
+              <a:t>Show performance specs</a:t>
+            </a:r>
+            <a:endParaRPr lang="en-US" dirty="0"/>
+          </a:p>
+        </p:txBody>
+      </p:sp>
+    </p:spTree>
+    <p:extLst>
+      <p:ext uri="{BB962C8B-B14F-4D97-AF65-F5344CB8AC3E}">
+        <p14:creationId xmlns:p14="http://schemas.microsoft.com/office/powerpoint/2010/main" val="3036517936"/>
+      </p:ext>
+    </p:extLst>
+  </p:cSld>
+  <p:clrMapOvr>
+    <a:masterClrMapping/>
+  </p:clrMapOvr>
+</p:sld>
+</file>
+
+<file path=ppt/slides/slide5.xml><?xml version="1.0" encoding="utf-8"?>
+<p:sld xmlns:a="http://schemas.openxmlformats.org/drawingml/2006/main" xmlns:r="http://schemas.openxmlformats.org/officeDocument/2006/relationships" xmlns:p="http://schemas.openxmlformats.org/presentationml/2006/main">
+  <p:cSld>
+    <p:spTree>
+      <p:nvGrpSpPr>
+        <p:cNvPr id="1" name=""/>
+        <p:cNvGrpSpPr/>
+        <p:nvPr/>
+      </p:nvGrpSpPr>
+      <p:grpSpPr>
+        <a:xfrm>
+          <a:off x="0" y="0"/>
+          <a:ext cx="0" cy="0"/>
+          <a:chOff x="0" y="0"/>
+          <a:chExt cx="0" cy="0"/>
+        </a:xfrm>
+      </p:grpSpPr>
+      <p:sp>
+        <p:nvSpPr>
+          <p:cNvPr id="2" name="Title 1"/>
+          <p:cNvSpPr>
+            <a:spLocks noGrp="1"/>
+          </p:cNvSpPr>
+          <p:nvPr>
+            <p:ph type="title"/>
+          </p:nvPr>
+        </p:nvSpPr>
+        <p:spPr/>
+        <p:txBody>
+          <a:bodyPr/>
+          <a:lstStyle/>
+          <a:p>
+            <a:r>
+              <a:rPr lang="en-US" dirty="0" smtClean="0"/>
+              <a:t>Communications</a:t>
+            </a:r>
+            <a:endParaRPr lang="en-US" dirty="0"/>
+          </a:p>
+        </p:txBody>
+      </p:sp>
+      <p:sp>
+        <p:nvSpPr>
+          <p:cNvPr id="3" name="Content Placeholder 2"/>
+          <p:cNvSpPr>
+            <a:spLocks noGrp="1"/>
+          </p:cNvSpPr>
+          <p:nvPr>
+            <p:ph idx="1"/>
+          </p:nvPr>
+        </p:nvSpPr>
+        <p:spPr/>
+        <p:txBody>
+          <a:bodyPr/>
+          <a:lstStyle/>
+          <a:p>
+            <a:r>
+              <a:rPr lang="en-US" dirty="0" smtClean="0"/>
+              <a:t>Control </a:t>
+            </a:r>
+            <a:r>
+              <a:rPr lang="en-US" dirty="0" err="1" smtClean="0"/>
+              <a:t>Comms</a:t>
+            </a:r>
+            <a:endParaRPr lang="en-US" dirty="0" smtClean="0"/>
+          </a:p>
+          <a:p>
+            <a:r>
+              <a:rPr lang="en-US" dirty="0" smtClean="0"/>
+              <a:t>Payload </a:t>
+            </a:r>
+            <a:r>
+              <a:rPr lang="en-US" dirty="0" err="1" smtClean="0"/>
+              <a:t>Comms</a:t>
+            </a:r>
+            <a:endParaRPr lang="en-US" dirty="0" smtClean="0"/>
+          </a:p>
+          <a:p>
+            <a:r>
+              <a:rPr lang="en-US" dirty="0" smtClean="0"/>
+              <a:t>Antennas mounted to transit case</a:t>
+            </a:r>
+            <a:endParaRPr lang="en-US" dirty="0"/>
+          </a:p>
+        </p:txBody>
+      </p:sp>
+    </p:spTree>
+    <p:extLst>
+      <p:ext uri="{BB962C8B-B14F-4D97-AF65-F5344CB8AC3E}">
+        <p14:creationId xmlns:p14="http://schemas.microsoft.com/office/powerpoint/2010/main" val="3057308811"/>
+      </p:ext>
+    </p:extLst>
+  </p:cSld>
+  <p:clrMapOvr>
+    <a:masterClrMapping/>
+  </p:clrMapOvr>
+</p:sld>
+</file>
+
+<file path=ppt/slides/slide6.xml><?xml version="1.0" encoding="utf-8"?>
+<p:sld xmlns:a="http://schemas.openxmlformats.org/drawingml/2006/main" xmlns:r="http://schemas.openxmlformats.org/officeDocument/2006/relationships" xmlns:p="http://schemas.openxmlformats.org/presentationml/2006/main">
+  <p:cSld>
+    <p:spTree>
+      <p:nvGrpSpPr>
+        <p:cNvPr id="1" name=""/>
+        <p:cNvGrpSpPr/>
+        <p:nvPr/>
+      </p:nvGrpSpPr>
+      <p:grpSpPr>
+        <a:xfrm>
+          <a:off x="0" y="0"/>
+          <a:ext cx="0" cy="0"/>
+          <a:chOff x="0" y="0"/>
+          <a:chExt cx="0" cy="0"/>
+        </a:xfrm>
+      </p:grpSpPr>
+      <p:sp>
+        <p:nvSpPr>
+          <p:cNvPr id="2" name="Title 1"/>
+          <p:cNvSpPr>
+            <a:spLocks noGrp="1"/>
+          </p:cNvSpPr>
+          <p:nvPr>
+            <p:ph type="title"/>
+          </p:nvPr>
+        </p:nvSpPr>
+        <p:spPr/>
+        <p:txBody>
+          <a:bodyPr/>
+          <a:lstStyle/>
+          <a:p>
+            <a:r>
+              <a:rPr lang="en-US" dirty="0" smtClean="0"/>
+              <a:t>Power System</a:t>
+            </a:r>
+            <a:endParaRPr lang="en-US" dirty="0"/>
+          </a:p>
+        </p:txBody>
+      </p:sp>
+      <p:sp>
+        <p:nvSpPr>
+          <p:cNvPr id="3" name="Content Placeholder 2"/>
+          <p:cNvSpPr>
+            <a:spLocks noGrp="1"/>
+          </p:cNvSpPr>
+          <p:nvPr>
+            <p:ph idx="1"/>
+          </p:nvPr>
+        </p:nvSpPr>
+        <p:spPr/>
+        <p:txBody>
+          <a:bodyPr/>
+          <a:lstStyle/>
+          <a:p>
+            <a:r>
+              <a:rPr lang="en-US" dirty="0" smtClean="0"/>
+              <a:t>Battery located in control case</a:t>
+            </a:r>
+          </a:p>
+          <a:p>
+            <a:r>
+              <a:rPr lang="en-US" dirty="0" smtClean="0"/>
+              <a:t>Connections for shore power</a:t>
+            </a:r>
+            <a:endParaRPr lang="en-US" dirty="0"/>
+          </a:p>
+        </p:txBody>
+      </p:sp>
+    </p:spTree>
+    <p:extLst>
+      <p:ext uri="{BB962C8B-B14F-4D97-AF65-F5344CB8AC3E}">
+        <p14:creationId xmlns:p14="http://schemas.microsoft.com/office/powerpoint/2010/main" val="66819406"/>
+      </p:ext>
+    </p:extLst>
+  </p:cSld>
+  <p:clrMapOvr>
+    <a:masterClrMapping/>
+  </p:clrMapOvr>
+</p:sld>
+</file>
+
+<file path=ppt/slides/slide7.xml><?xml version="1.0" encoding="utf-8"?>
+<p:sld xmlns:a="http://schemas.openxmlformats.org/drawingml/2006/main" xmlns:r="http://schemas.openxmlformats.org/officeDocument/2006/relationships" xmlns:p="http://schemas.openxmlformats.org/presentationml/2006/main">
+  <p:cSld>
+    <p:spTree>
+      <p:nvGrpSpPr>
+        <p:cNvPr id="1" name=""/>
+        <p:cNvGrpSpPr/>
+        <p:nvPr/>
+      </p:nvGrpSpPr>
+      <p:grpSpPr>
+        <a:xfrm>
+          <a:off x="0" y="0"/>
+          <a:ext cx="0" cy="0"/>
+          <a:chOff x="0" y="0"/>
+          <a:chExt cx="0" cy="0"/>
+        </a:xfrm>
+      </p:grpSpPr>
+      <p:sp>
+        <p:nvSpPr>
+          <p:cNvPr id="2" name="Title 1"/>
+          <p:cNvSpPr>
+            <a:spLocks noGrp="1"/>
+          </p:cNvSpPr>
+          <p:nvPr>
+            <p:ph type="title"/>
+          </p:nvPr>
+        </p:nvSpPr>
+        <p:spPr/>
+        <p:txBody>
+          <a:bodyPr/>
+          <a:lstStyle/>
+          <a:p>
+            <a:r>
+              <a:rPr lang="en-US" dirty="0" smtClean="0"/>
+              <a:t>Transportability</a:t>
+            </a:r>
+            <a:endParaRPr lang="en-US" dirty="0"/>
+          </a:p>
+        </p:txBody>
+      </p:sp>
+      <p:sp>
+        <p:nvSpPr>
+          <p:cNvPr id="3" name="Content Placeholder 2"/>
+          <p:cNvSpPr>
+            <a:spLocks noGrp="1"/>
+          </p:cNvSpPr>
+          <p:nvPr>
+            <p:ph idx="1"/>
+          </p:nvPr>
+        </p:nvSpPr>
+        <p:spPr/>
+        <p:txBody>
+          <a:bodyPr/>
+          <a:lstStyle/>
+          <a:p>
+            <a:r>
+              <a:rPr lang="en-US" dirty="0" smtClean="0"/>
+              <a:t>Describe two transit cases</a:t>
+            </a:r>
+          </a:p>
+          <a:p>
+            <a:r>
+              <a:rPr lang="en-US" dirty="0" smtClean="0"/>
+              <a:t>Explain setup time</a:t>
+            </a:r>
+          </a:p>
+          <a:p>
+            <a:r>
+              <a:rPr lang="en-US" dirty="0" smtClean="0"/>
+              <a:t>Weight</a:t>
+            </a:r>
+            <a:endParaRPr lang="en-US" dirty="0"/>
+          </a:p>
+        </p:txBody>
+      </p:sp>
+    </p:spTree>
+    <p:extLst>
+      <p:ext uri="{BB962C8B-B14F-4D97-AF65-F5344CB8AC3E}">
+        <p14:creationId xmlns:p14="http://schemas.microsoft.com/office/powerpoint/2010/main" val="461498386"/>
       </p:ext>
     </p:extLst>
   </p:cSld>

--- a/Documents/Ground Control Station Overview.pptx
+++ b/Documents/Ground Control Station Overview.pptx
@@ -10,8 +10,7 @@
     <p:sldId id="264" r:id="rId4"/>
     <p:sldId id="265" r:id="rId5"/>
     <p:sldId id="266" r:id="rId6"/>
-    <p:sldId id="267" r:id="rId7"/>
-    <p:sldId id="268" r:id="rId8"/>
+    <p:sldId id="268" r:id="rId7"/>
   </p:sldIdLst>
   <p:sldSz cx="12192000" cy="6858000"/>
   <p:notesSz cx="6858000" cy="9144000"/>
@@ -297,7 +296,7 @@
           <a:p>
             <a:fld id="{7641C023-4088-4D75-BBD8-CE482B98921B}" type="datetimeFigureOut">
               <a:rPr lang="en-US" smtClean="0"/>
-              <a:t>10/27/2019</a:t>
+              <a:t>12/5/2019</a:t>
             </a:fld>
             <a:endParaRPr lang="en-US"/>
           </a:p>
@@ -523,7 +522,7 @@
           <a:p>
             <a:fld id="{7641C023-4088-4D75-BBD8-CE482B98921B}" type="datetimeFigureOut">
               <a:rPr lang="en-US" smtClean="0"/>
-              <a:t>10/27/2019</a:t>
+              <a:t>12/5/2019</a:t>
             </a:fld>
             <a:endParaRPr lang="en-US"/>
           </a:p>
@@ -711,7 +710,7 @@
           <a:p>
             <a:fld id="{7641C023-4088-4D75-BBD8-CE482B98921B}" type="datetimeFigureOut">
               <a:rPr lang="en-US" smtClean="0"/>
-              <a:t>10/27/2019</a:t>
+              <a:t>12/5/2019</a:t>
             </a:fld>
             <a:endParaRPr lang="en-US"/>
           </a:p>
@@ -945,7 +944,7 @@
           <a:p>
             <a:fld id="{7641C023-4088-4D75-BBD8-CE482B98921B}" type="datetimeFigureOut">
               <a:rPr lang="en-US" smtClean="0"/>
-              <a:t>10/27/2019</a:t>
+              <a:t>12/5/2019</a:t>
             </a:fld>
             <a:endParaRPr lang="en-US"/>
           </a:p>
@@ -1247,7 +1246,7 @@
           <a:p>
             <a:fld id="{7641C023-4088-4D75-BBD8-CE482B98921B}" type="datetimeFigureOut">
               <a:rPr lang="en-US" smtClean="0"/>
-              <a:t>10/27/2019</a:t>
+              <a:t>12/5/2019</a:t>
             </a:fld>
             <a:endParaRPr lang="en-US"/>
           </a:p>
@@ -1512,7 +1511,7 @@
           <a:p>
             <a:fld id="{7641C023-4088-4D75-BBD8-CE482B98921B}" type="datetimeFigureOut">
               <a:rPr lang="en-US" smtClean="0"/>
-              <a:t>10/27/2019</a:t>
+              <a:t>12/5/2019</a:t>
             </a:fld>
             <a:endParaRPr lang="en-US"/>
           </a:p>
@@ -1981,7 +1980,7 @@
           <a:p>
             <a:fld id="{7641C023-4088-4D75-BBD8-CE482B98921B}" type="datetimeFigureOut">
               <a:rPr lang="en-US" smtClean="0"/>
-              <a:t>10/27/2019</a:t>
+              <a:t>12/5/2019</a:t>
             </a:fld>
             <a:endParaRPr lang="en-US"/>
           </a:p>
@@ -2206,7 +2205,7 @@
           <a:p>
             <a:fld id="{7641C023-4088-4D75-BBD8-CE482B98921B}" type="datetimeFigureOut">
               <a:rPr lang="en-US" smtClean="0"/>
-              <a:t>10/27/2019</a:t>
+              <a:t>12/5/2019</a:t>
             </a:fld>
             <a:endParaRPr lang="en-US"/>
           </a:p>
@@ -2431,7 +2430,7 @@
           <a:p>
             <a:fld id="{7641C023-4088-4D75-BBD8-CE482B98921B}" type="datetimeFigureOut">
               <a:rPr lang="en-US" smtClean="0"/>
-              <a:t>10/27/2019</a:t>
+              <a:t>12/5/2019</a:t>
             </a:fld>
             <a:endParaRPr lang="en-US"/>
           </a:p>
@@ -2716,7 +2715,7 @@
           <a:p>
             <a:fld id="{7641C023-4088-4D75-BBD8-CE482B98921B}" type="datetimeFigureOut">
               <a:rPr lang="en-US" smtClean="0"/>
-              <a:t>10/27/2019</a:t>
+              <a:t>12/5/2019</a:t>
             </a:fld>
             <a:endParaRPr lang="en-US"/>
           </a:p>
@@ -2977,7 +2976,7 @@
           <a:p>
             <a:fld id="{7641C023-4088-4D75-BBD8-CE482B98921B}" type="datetimeFigureOut">
               <a:rPr lang="en-US" smtClean="0"/>
-              <a:t>10/27/2019</a:t>
+              <a:t>12/5/2019</a:t>
             </a:fld>
             <a:endParaRPr lang="en-US"/>
           </a:p>
@@ -3198,7 +3197,7 @@
           <a:p>
             <a:fld id="{7641C023-4088-4D75-BBD8-CE482B98921B}" type="datetimeFigureOut">
               <a:rPr lang="en-US" smtClean="0"/>
-              <a:t>10/27/2019</a:t>
+              <a:t>12/5/2019</a:t>
             </a:fld>
             <a:endParaRPr lang="en-US"/>
           </a:p>
@@ -3732,11 +3731,7 @@
           <a:p>
             <a:r>
               <a:rPr lang="en-US" dirty="0" smtClean="0"/>
-              <a:t>Control </a:t>
-            </a:r>
-            <a:r>
-              <a:rPr lang="en-US" dirty="0" smtClean="0"/>
-              <a:t>Interface</a:t>
+              <a:t>Control Interface</a:t>
             </a:r>
           </a:p>
           <a:p>
@@ -3813,71 +3808,303 @@
           </a:p>
         </p:txBody>
       </p:sp>
-      <p:sp>
-        <p:nvSpPr>
-          <p:cNvPr id="3" name="Content Placeholder 2"/>
-          <p:cNvSpPr>
-            <a:spLocks noGrp="1"/>
-          </p:cNvSpPr>
-          <p:nvPr>
-            <p:ph idx="1"/>
-          </p:nvPr>
-        </p:nvSpPr>
-        <p:spPr/>
-        <p:txBody>
-          <a:bodyPr/>
+      <p:pic>
+        <p:nvPicPr>
+          <p:cNvPr id="5" name="Picture 4"/>
+          <p:cNvPicPr>
+            <a:picLocks noChangeAspect="1"/>
+          </p:cNvPicPr>
+          <p:nvPr/>
+        </p:nvPicPr>
+        <p:blipFill>
+          <a:blip r:embed="rId2"/>
+          <a:stretch>
+            <a:fillRect/>
+          </a:stretch>
+        </p:blipFill>
+        <p:spPr>
+          <a:xfrm>
+            <a:off x="3915090" y="3963710"/>
+            <a:ext cx="2205216" cy="1447477"/>
+          </a:xfrm>
+          <a:prstGeom prst="rect">
+            <a:avLst/>
+          </a:prstGeom>
+        </p:spPr>
+      </p:pic>
+      <p:pic>
+        <p:nvPicPr>
+          <p:cNvPr id="6" name="Picture 5"/>
+          <p:cNvPicPr>
+            <a:picLocks noChangeAspect="1"/>
+          </p:cNvPicPr>
+          <p:nvPr/>
+        </p:nvPicPr>
+        <p:blipFill>
+          <a:blip r:embed="rId3"/>
+          <a:stretch>
+            <a:fillRect/>
+          </a:stretch>
+        </p:blipFill>
+        <p:spPr>
+          <a:xfrm>
+            <a:off x="6216499" y="2282935"/>
+            <a:ext cx="2244575" cy="2858697"/>
+          </a:xfrm>
+          <a:prstGeom prst="rect">
+            <a:avLst/>
+          </a:prstGeom>
+        </p:spPr>
+      </p:pic>
+      <p:sp>
+        <p:nvSpPr>
+          <p:cNvPr id="7" name="Rectangle 6"/>
+          <p:cNvSpPr/>
+          <p:nvPr/>
+        </p:nvSpPr>
+        <p:spPr>
+          <a:xfrm>
+            <a:off x="6216499" y="5878273"/>
+            <a:ext cx="6096000" cy="954107"/>
+          </a:xfrm>
+          <a:prstGeom prst="rect">
+            <a:avLst/>
+          </a:prstGeom>
+        </p:spPr>
+        <p:txBody>
+          <a:bodyPr>
+            <a:spAutoFit/>
+          </a:bodyPr>
+          <a:lstStyle/>
+          <a:p>
+            <a:r>
+              <a:rPr lang="en-US" sz="1400" dirty="0">
+                <a:hlinkClick r:id="rId4"/>
+              </a:rPr>
+              <a:t>https://</a:t>
+            </a:r>
+            <a:r>
+              <a:rPr lang="en-US" sz="1400" dirty="0" smtClean="0">
+                <a:hlinkClick r:id="rId4"/>
+              </a:rPr>
+              <a:t>www.pelican.com/us/en/product/cases/dji-matrice-600-pro-drone-case/flightline/fltdm600</a:t>
+            </a:r>
+            <a:endParaRPr lang="en-US" sz="1400" dirty="0" smtClean="0"/>
+          </a:p>
+          <a:p>
+            <a:r>
+              <a:rPr lang="en-US" sz="1400" dirty="0">
+                <a:hlinkClick r:id="rId5"/>
+              </a:rPr>
+              <a:t>https://na.panasonic.com/us/computers-tablets-handhelds/computers/laptops/toughbook-31</a:t>
+            </a:r>
+            <a:endParaRPr lang="en-US" sz="1400" dirty="0"/>
+          </a:p>
+        </p:txBody>
+      </p:sp>
+      <p:pic>
+        <p:nvPicPr>
+          <p:cNvPr id="8" name="Picture 7"/>
+          <p:cNvPicPr>
+            <a:picLocks noChangeAspect="1"/>
+          </p:cNvPicPr>
+          <p:nvPr/>
+        </p:nvPicPr>
+        <p:blipFill>
+          <a:blip r:embed="rId6"/>
+          <a:stretch>
+            <a:fillRect/>
+          </a:stretch>
+        </p:blipFill>
+        <p:spPr>
+          <a:xfrm>
+            <a:off x="2379863" y="1887392"/>
+            <a:ext cx="2123665" cy="1981530"/>
+          </a:xfrm>
+          <a:prstGeom prst="rect">
+            <a:avLst/>
+          </a:prstGeom>
+        </p:spPr>
+      </p:pic>
+      <p:pic>
+        <p:nvPicPr>
+          <p:cNvPr id="9" name="Picture 8"/>
+          <p:cNvPicPr>
+            <a:picLocks noChangeAspect="1"/>
+          </p:cNvPicPr>
+          <p:nvPr/>
+        </p:nvPicPr>
+        <p:blipFill>
+          <a:blip r:embed="rId7"/>
+          <a:stretch>
+            <a:fillRect/>
+          </a:stretch>
+        </p:blipFill>
+        <p:spPr>
+          <a:xfrm>
+            <a:off x="2176681" y="3712283"/>
+            <a:ext cx="881923" cy="813042"/>
+          </a:xfrm>
+          <a:prstGeom prst="rect">
+            <a:avLst/>
+          </a:prstGeom>
+        </p:spPr>
+      </p:pic>
+      <p:sp>
+        <p:nvSpPr>
+          <p:cNvPr id="10" name="TextBox 9"/>
+          <p:cNvSpPr txBox="1"/>
+          <p:nvPr/>
+        </p:nvSpPr>
+        <p:spPr>
+          <a:xfrm>
+            <a:off x="516268" y="1607938"/>
+            <a:ext cx="2775119" cy="369332"/>
+          </a:xfrm>
+          <a:prstGeom prst="rect">
+            <a:avLst/>
+          </a:prstGeom>
+          <a:noFill/>
+        </p:spPr>
+        <p:txBody>
+          <a:bodyPr wrap="none" rtlCol="0">
+            <a:spAutoFit/>
+          </a:bodyPr>
           <a:lstStyle/>
           <a:p>
             <a:r>
               <a:rPr lang="en-US" dirty="0" smtClean="0"/>
-              <a:t>OV-1 like…</a:t>
-            </a:r>
-          </a:p>
-          <a:p>
-            <a:pPr lvl="1"/>
+              <a:t>COTS Rugged Computer</a:t>
+            </a:r>
+            <a:endParaRPr lang="en-US" dirty="0"/>
+          </a:p>
+        </p:txBody>
+      </p:sp>
+      <p:sp>
+        <p:nvSpPr>
+          <p:cNvPr id="11" name="TextBox 10"/>
+          <p:cNvSpPr txBox="1"/>
+          <p:nvPr/>
+        </p:nvSpPr>
+        <p:spPr>
+          <a:xfrm>
+            <a:off x="489602" y="4474982"/>
+            <a:ext cx="1890261" cy="369332"/>
+          </a:xfrm>
+          <a:prstGeom prst="rect">
+            <a:avLst/>
+          </a:prstGeom>
+          <a:noFill/>
+        </p:spPr>
+        <p:txBody>
+          <a:bodyPr wrap="none" rtlCol="0">
+            <a:spAutoFit/>
+          </a:bodyPr>
+          <a:lstStyle/>
+          <a:p>
             <a:r>
               <a:rPr lang="en-US" dirty="0" smtClean="0"/>
-              <a:t>Toughbook laptop</a:t>
-            </a:r>
-          </a:p>
-          <a:p>
-            <a:pPr lvl="1"/>
+              <a:t>COTS Controller</a:t>
+            </a:r>
+            <a:endParaRPr lang="en-US" dirty="0"/>
+          </a:p>
+        </p:txBody>
+      </p:sp>
+      <p:sp>
+        <p:nvSpPr>
+          <p:cNvPr id="12" name="TextBox 11"/>
+          <p:cNvSpPr txBox="1"/>
+          <p:nvPr/>
+        </p:nvSpPr>
+        <p:spPr>
+          <a:xfrm>
+            <a:off x="1993872" y="5131385"/>
+            <a:ext cx="4012637" cy="1477328"/>
+          </a:xfrm>
+          <a:prstGeom prst="rect">
+            <a:avLst/>
+          </a:prstGeom>
+          <a:noFill/>
+        </p:spPr>
+        <p:txBody>
+          <a:bodyPr wrap="none" rtlCol="0">
+            <a:spAutoFit/>
+          </a:bodyPr>
+          <a:lstStyle/>
+          <a:p>
             <a:r>
               <a:rPr lang="en-US" dirty="0" smtClean="0"/>
-              <a:t>Control shipping case</a:t>
-            </a:r>
-          </a:p>
-          <a:p>
-            <a:pPr lvl="2"/>
+              <a:t>Control Transit Case</a:t>
+            </a:r>
+          </a:p>
+          <a:p>
+            <a:pPr marL="285750" indent="-285750">
+              <a:buFont typeface="Arial" panose="020B0604020202020204" pitchFamily="34" charset="0"/>
+              <a:buChar char="•"/>
+            </a:pPr>
             <a:r>
               <a:rPr lang="en-US" dirty="0" smtClean="0"/>
-              <a:t>Holds laptop and controller</a:t>
-            </a:r>
-          </a:p>
-          <a:p>
-            <a:pPr lvl="2"/>
+              <a:t>Storage for Computer</a:t>
+            </a:r>
+          </a:p>
+          <a:p>
+            <a:pPr marL="285750" indent="-285750">
+              <a:buFont typeface="Arial" panose="020B0604020202020204" pitchFamily="34" charset="0"/>
+              <a:buChar char="•"/>
+            </a:pPr>
             <a:r>
               <a:rPr lang="en-US" dirty="0" smtClean="0"/>
-              <a:t>Integrated power system and </a:t>
-            </a:r>
-            <a:r>
-              <a:rPr lang="en-US" dirty="0" err="1" smtClean="0"/>
-              <a:t>comms</a:t>
-            </a:r>
-            <a:endParaRPr lang="en-US" dirty="0" smtClean="0"/>
-          </a:p>
-          <a:p>
-            <a:pPr lvl="1"/>
+              <a:t>Integrated Radios</a:t>
+            </a:r>
+          </a:p>
+          <a:p>
+            <a:pPr marL="285750" indent="-285750">
+              <a:buFont typeface="Arial" panose="020B0604020202020204" pitchFamily="34" charset="0"/>
+              <a:buChar char="•"/>
+            </a:pPr>
             <a:r>
               <a:rPr lang="en-US" dirty="0" smtClean="0"/>
-              <a:t>Vehicle shipping case</a:t>
-            </a:r>
-          </a:p>
-          <a:p>
-            <a:pPr lvl="2"/>
+              <a:t>Additional Processing and Storage</a:t>
+            </a:r>
+          </a:p>
+          <a:p>
+            <a:pPr marL="285750" indent="-285750">
+              <a:buFont typeface="Arial" panose="020B0604020202020204" pitchFamily="34" charset="0"/>
+              <a:buChar char="•"/>
+            </a:pPr>
             <a:r>
               <a:rPr lang="en-US" dirty="0" smtClean="0"/>
-              <a:t>Holds AV and accessories</a:t>
+              <a:t>Power Distribution Unit</a:t>
+            </a:r>
+            <a:endParaRPr lang="en-US" dirty="0"/>
+          </a:p>
+        </p:txBody>
+      </p:sp>
+      <p:sp>
+        <p:nvSpPr>
+          <p:cNvPr id="13" name="TextBox 12"/>
+          <p:cNvSpPr txBox="1"/>
+          <p:nvPr/>
+        </p:nvSpPr>
+        <p:spPr>
+          <a:xfrm>
+            <a:off x="8069345" y="3210470"/>
+            <a:ext cx="2287934" cy="369332"/>
+          </a:xfrm>
+          <a:prstGeom prst="rect">
+            <a:avLst/>
+          </a:prstGeom>
+          <a:noFill/>
+        </p:spPr>
+        <p:txBody>
+          <a:bodyPr wrap="none" rtlCol="0">
+            <a:spAutoFit/>
+          </a:bodyPr>
+          <a:lstStyle/>
+          <a:p>
+            <a:r>
+              <a:rPr lang="en-US" dirty="0" smtClean="0"/>
+              <a:t>Vehicle Transit Case</a:t>
             </a:r>
             <a:endParaRPr lang="en-US" dirty="0"/>
           </a:p>
@@ -3948,24 +4175,425 @@
         </p:nvSpPr>
         <p:spPr/>
         <p:txBody>
-          <a:bodyPr/>
-          <a:lstStyle/>
-          <a:p>
-            <a:r>
-              <a:rPr lang="en-US" dirty="0" smtClean="0"/>
-              <a:t>COTS Toughbook laptop</a:t>
-            </a:r>
-          </a:p>
-          <a:p>
-            <a:pPr lvl="1"/>
-            <a:r>
-              <a:rPr lang="en-US" dirty="0" smtClean="0"/>
-              <a:t>Show performance specs</a:t>
-            </a:r>
-            <a:endParaRPr lang="en-US" dirty="0"/>
-          </a:p>
-        </p:txBody>
-      </p:sp>
+          <a:bodyPr>
+            <a:normAutofit/>
+          </a:bodyPr>
+          <a:lstStyle/>
+          <a:p>
+            <a:r>
+              <a:rPr lang="en-US" sz="2400" dirty="0" smtClean="0"/>
+              <a:t>Control Interface is 100% Commercial-Off-The-Shelf</a:t>
+            </a:r>
+          </a:p>
+          <a:p>
+            <a:r>
+              <a:rPr lang="en-US" sz="2400" dirty="0" smtClean="0"/>
+              <a:t>Panasonic Toughbook + Xbox One</a:t>
+            </a:r>
+          </a:p>
+          <a:p>
+            <a:r>
+              <a:rPr lang="en-US" sz="2400" dirty="0" smtClean="0"/>
+              <a:t>Leverages extensive industry base</a:t>
+            </a:r>
+          </a:p>
+          <a:p>
+            <a:r>
+              <a:rPr lang="en-US" sz="2400" dirty="0" smtClean="0"/>
+              <a:t>Easy replacement</a:t>
+            </a:r>
+          </a:p>
+          <a:p>
+            <a:r>
+              <a:rPr lang="en-US" sz="2400" dirty="0" smtClean="0"/>
+              <a:t>Reduced training</a:t>
+            </a:r>
+            <a:endParaRPr lang="en-US" sz="2400" dirty="0"/>
+          </a:p>
+        </p:txBody>
+      </p:sp>
+      <p:pic>
+        <p:nvPicPr>
+          <p:cNvPr id="4" name="Picture 3"/>
+          <p:cNvPicPr>
+            <a:picLocks noChangeAspect="1"/>
+          </p:cNvPicPr>
+          <p:nvPr/>
+        </p:nvPicPr>
+        <p:blipFill>
+          <a:blip r:embed="rId2"/>
+          <a:stretch>
+            <a:fillRect/>
+          </a:stretch>
+        </p:blipFill>
+        <p:spPr>
+          <a:xfrm>
+            <a:off x="4501422" y="4271905"/>
+            <a:ext cx="2123665" cy="1981530"/>
+          </a:xfrm>
+          <a:prstGeom prst="rect">
+            <a:avLst/>
+          </a:prstGeom>
+        </p:spPr>
+      </p:pic>
+      <p:pic>
+        <p:nvPicPr>
+          <p:cNvPr id="5" name="Picture 4"/>
+          <p:cNvPicPr>
+            <a:picLocks noChangeAspect="1"/>
+          </p:cNvPicPr>
+          <p:nvPr/>
+        </p:nvPicPr>
+        <p:blipFill>
+          <a:blip r:embed="rId3"/>
+          <a:stretch>
+            <a:fillRect/>
+          </a:stretch>
+        </p:blipFill>
+        <p:spPr>
+          <a:xfrm>
+            <a:off x="1221895" y="4549371"/>
+            <a:ext cx="1952626" cy="1800120"/>
+          </a:xfrm>
+          <a:prstGeom prst="rect">
+            <a:avLst/>
+          </a:prstGeom>
+        </p:spPr>
+      </p:pic>
+      <p:graphicFrame>
+        <p:nvGraphicFramePr>
+          <p:cNvPr id="6" name="Table 5"/>
+          <p:cNvGraphicFramePr>
+            <a:graphicFrameLocks noGrp="1"/>
+          </p:cNvGraphicFramePr>
+          <p:nvPr>
+            <p:extLst>
+              <p:ext uri="{D42A27DB-BD31-4B8C-83A1-F6EECF244321}">
+                <p14:modId xmlns:p14="http://schemas.microsoft.com/office/powerpoint/2010/main" val="4266970038"/>
+              </p:ext>
+            </p:extLst>
+          </p:nvPr>
+        </p:nvGraphicFramePr>
+        <p:xfrm>
+          <a:off x="7856747" y="2657040"/>
+          <a:ext cx="3759200" cy="2743200"/>
+        </p:xfrm>
+        <a:graphic>
+          <a:graphicData uri="http://schemas.openxmlformats.org/drawingml/2006/table">
+            <a:tbl>
+              <a:tblPr firstRow="1" bandRow="1">
+                <a:tableStyleId>{5C22544A-7EE6-4342-B048-85BDC9FD1C3A}</a:tableStyleId>
+              </a:tblPr>
+              <a:tblGrid>
+                <a:gridCol w="1581711"/>
+                <a:gridCol w="2177489"/>
+              </a:tblGrid>
+              <a:tr h="0">
+                <a:tc>
+                  <a:txBody>
+                    <a:bodyPr/>
+                    <a:lstStyle/>
+                    <a:p>
+                      <a:endParaRPr lang="en-US" sz="1200" dirty="0"/>
+                    </a:p>
+                  </a:txBody>
+                  <a:tcPr/>
+                </a:tc>
+                <a:tc>
+                  <a:txBody>
+                    <a:bodyPr/>
+                    <a:lstStyle/>
+                    <a:p>
+                      <a:endParaRPr lang="en-US" sz="1200" dirty="0"/>
+                    </a:p>
+                  </a:txBody>
+                  <a:tcPr/>
+                </a:tc>
+              </a:tr>
+              <a:tr h="182880">
+                <a:tc>
+                  <a:txBody>
+                    <a:bodyPr/>
+                    <a:lstStyle/>
+                    <a:p>
+                      <a:pPr algn="ctr"/>
+                      <a:r>
+                        <a:rPr lang="en-US" sz="1200" dirty="0" smtClean="0"/>
+                        <a:t>Computer</a:t>
+                      </a:r>
+                      <a:endParaRPr lang="en-US" sz="1200" dirty="0"/>
+                    </a:p>
+                  </a:txBody>
+                  <a:tcPr/>
+                </a:tc>
+                <a:tc>
+                  <a:txBody>
+                    <a:bodyPr/>
+                    <a:lstStyle/>
+                    <a:p>
+                      <a:endParaRPr lang="en-US" sz="1200" dirty="0"/>
+                    </a:p>
+                  </a:txBody>
+                  <a:tcPr/>
+                </a:tc>
+              </a:tr>
+              <a:tr h="182880">
+                <a:tc>
+                  <a:txBody>
+                    <a:bodyPr/>
+                    <a:lstStyle/>
+                    <a:p>
+                      <a:r>
+                        <a:rPr lang="en-US" sz="1200" dirty="0" smtClean="0"/>
+                        <a:t>Model</a:t>
+                      </a:r>
+                      <a:endParaRPr lang="en-US" sz="1200" dirty="0"/>
+                    </a:p>
+                  </a:txBody>
+                  <a:tcPr/>
+                </a:tc>
+                <a:tc>
+                  <a:txBody>
+                    <a:bodyPr/>
+                    <a:lstStyle/>
+                    <a:p>
+                      <a:r>
+                        <a:rPr lang="en-US" sz="1200" dirty="0" smtClean="0"/>
+                        <a:t>Panasonic</a:t>
+                      </a:r>
+                      <a:r>
+                        <a:rPr lang="en-US" sz="1200" baseline="0" dirty="0" smtClean="0"/>
+                        <a:t> Toughbook 31</a:t>
+                      </a:r>
+                      <a:endParaRPr lang="en-US" sz="1200" dirty="0"/>
+                    </a:p>
+                  </a:txBody>
+                  <a:tcPr/>
+                </a:tc>
+              </a:tr>
+              <a:tr h="182880">
+                <a:tc>
+                  <a:txBody>
+                    <a:bodyPr/>
+                    <a:lstStyle/>
+                    <a:p>
+                      <a:r>
+                        <a:rPr lang="en-US" sz="1200" dirty="0" smtClean="0"/>
+                        <a:t>Size</a:t>
+                      </a:r>
+                      <a:endParaRPr lang="en-US" sz="1200" dirty="0"/>
+                    </a:p>
+                  </a:txBody>
+                  <a:tcPr/>
+                </a:tc>
+                <a:tc>
+                  <a:txBody>
+                    <a:bodyPr/>
+                    <a:lstStyle/>
+                    <a:p>
+                      <a:r>
+                        <a:rPr lang="en-US" sz="1200" dirty="0" smtClean="0"/>
+                        <a:t>13.1 in class</a:t>
+                      </a:r>
+                      <a:endParaRPr lang="en-US" sz="1200" dirty="0"/>
+                    </a:p>
+                  </a:txBody>
+                  <a:tcPr/>
+                </a:tc>
+              </a:tr>
+              <a:tr h="182880">
+                <a:tc>
+                  <a:txBody>
+                    <a:bodyPr/>
+                    <a:lstStyle/>
+                    <a:p>
+                      <a:r>
+                        <a:rPr lang="en-US" sz="1200" dirty="0" smtClean="0"/>
+                        <a:t>Processor</a:t>
+                      </a:r>
+                      <a:endParaRPr lang="en-US" sz="1200" dirty="0"/>
+                    </a:p>
+                  </a:txBody>
+                  <a:tcPr/>
+                </a:tc>
+                <a:tc>
+                  <a:txBody>
+                    <a:bodyPr/>
+                    <a:lstStyle/>
+                    <a:p>
+                      <a:r>
+                        <a:rPr lang="en-US" sz="1200" dirty="0" smtClean="0"/>
+                        <a:t>Intel i7</a:t>
+                      </a:r>
+                      <a:endParaRPr lang="en-US" sz="1200" dirty="0"/>
+                    </a:p>
+                  </a:txBody>
+                  <a:tcPr/>
+                </a:tc>
+              </a:tr>
+              <a:tr h="182880">
+                <a:tc>
+                  <a:txBody>
+                    <a:bodyPr/>
+                    <a:lstStyle/>
+                    <a:p>
+                      <a:r>
+                        <a:rPr lang="en-US" sz="1200" dirty="0" smtClean="0"/>
+                        <a:t>Storage</a:t>
+                      </a:r>
+                      <a:endParaRPr lang="en-US" sz="1200" dirty="0"/>
+                    </a:p>
+                  </a:txBody>
+                  <a:tcPr/>
+                </a:tc>
+                <a:tc>
+                  <a:txBody>
+                    <a:bodyPr/>
+                    <a:lstStyle/>
+                    <a:p>
+                      <a:r>
+                        <a:rPr lang="en-US" sz="1200" dirty="0" smtClean="0"/>
+                        <a:t>512 Gb </a:t>
+                      </a:r>
+                      <a:r>
+                        <a:rPr lang="en-US" sz="1200" baseline="0" dirty="0" smtClean="0"/>
+                        <a:t>Solid </a:t>
+                      </a:r>
+                      <a:r>
+                        <a:rPr lang="en-US" sz="1200" baseline="0" dirty="0" smtClean="0"/>
+                        <a:t>State</a:t>
+                      </a:r>
+                      <a:endParaRPr lang="en-US" sz="1200" dirty="0"/>
+                    </a:p>
+                  </a:txBody>
+                  <a:tcPr/>
+                </a:tc>
+              </a:tr>
+              <a:tr h="182880">
+                <a:tc>
+                  <a:txBody>
+                    <a:bodyPr/>
+                    <a:lstStyle/>
+                    <a:p>
+                      <a:r>
+                        <a:rPr lang="en-US" sz="1200" dirty="0" smtClean="0"/>
+                        <a:t>RAM</a:t>
+                      </a:r>
+                      <a:endParaRPr lang="en-US" sz="1200" dirty="0"/>
+                    </a:p>
+                  </a:txBody>
+                  <a:tcPr/>
+                </a:tc>
+                <a:tc>
+                  <a:txBody>
+                    <a:bodyPr/>
+                    <a:lstStyle/>
+                    <a:p>
+                      <a:r>
+                        <a:rPr lang="en-US" sz="1200" dirty="0" smtClean="0"/>
+                        <a:t>32 </a:t>
+                      </a:r>
+                      <a:r>
+                        <a:rPr lang="en-US" sz="1200" dirty="0" smtClean="0"/>
+                        <a:t>GB</a:t>
+                      </a:r>
+                      <a:endParaRPr lang="en-US" sz="1200" dirty="0"/>
+                    </a:p>
+                  </a:txBody>
+                  <a:tcPr/>
+                </a:tc>
+              </a:tr>
+              <a:tr h="182880">
+                <a:tc>
+                  <a:txBody>
+                    <a:bodyPr/>
+                    <a:lstStyle/>
+                    <a:p>
+                      <a:r>
+                        <a:rPr lang="en-US" sz="1200" dirty="0" smtClean="0"/>
+                        <a:t>Operating System</a:t>
+                      </a:r>
+                      <a:endParaRPr lang="en-US" sz="1200" dirty="0"/>
+                    </a:p>
+                  </a:txBody>
+                  <a:tcPr/>
+                </a:tc>
+                <a:tc>
+                  <a:txBody>
+                    <a:bodyPr/>
+                    <a:lstStyle/>
+                    <a:p>
+                      <a:r>
+                        <a:rPr lang="en-US" sz="1200" dirty="0" smtClean="0"/>
+                        <a:t>Red Hat Enterprise Linux</a:t>
+                      </a:r>
+                      <a:endParaRPr lang="en-US" sz="1200" dirty="0"/>
+                    </a:p>
+                  </a:txBody>
+                  <a:tcPr/>
+                </a:tc>
+              </a:tr>
+              <a:tr h="182880">
+                <a:tc>
+                  <a:txBody>
+                    <a:bodyPr/>
+                    <a:lstStyle/>
+                    <a:p>
+                      <a:pPr algn="ctr"/>
+                      <a:r>
+                        <a:rPr lang="en-US" sz="1200" dirty="0" smtClean="0"/>
+                        <a:t>Controller</a:t>
+                      </a:r>
+                      <a:endParaRPr lang="en-US" sz="1200" dirty="0"/>
+                    </a:p>
+                  </a:txBody>
+                  <a:tcPr/>
+                </a:tc>
+                <a:tc>
+                  <a:txBody>
+                    <a:bodyPr/>
+                    <a:lstStyle/>
+                    <a:p>
+                      <a:endParaRPr lang="en-US" sz="1200" dirty="0"/>
+                    </a:p>
+                  </a:txBody>
+                  <a:tcPr/>
+                </a:tc>
+              </a:tr>
+              <a:tr h="182880">
+                <a:tc>
+                  <a:txBody>
+                    <a:bodyPr/>
+                    <a:lstStyle/>
+                    <a:p>
+                      <a:r>
+                        <a:rPr lang="en-US" sz="1200" dirty="0" smtClean="0"/>
+                        <a:t>Model</a:t>
+                      </a:r>
+                      <a:endParaRPr lang="en-US" sz="1200" dirty="0"/>
+                    </a:p>
+                  </a:txBody>
+                  <a:tcPr/>
+                </a:tc>
+                <a:tc>
+                  <a:txBody>
+                    <a:bodyPr/>
+                    <a:lstStyle/>
+                    <a:p>
+                      <a:r>
+                        <a:rPr lang="en-US" sz="1200" dirty="0" smtClean="0"/>
+                        <a:t>Xbox One Controller</a:t>
+                      </a:r>
+                      <a:endParaRPr lang="en-US" sz="1200" dirty="0"/>
+                    </a:p>
+                  </a:txBody>
+                  <a:tcPr/>
+                </a:tc>
+              </a:tr>
+            </a:tbl>
+          </a:graphicData>
+        </a:graphic>
+      </p:graphicFrame>
     </p:spTree>
     <p:extLst>
       <p:ext uri="{BB962C8B-B14F-4D97-AF65-F5344CB8AC3E}">
@@ -4031,39 +4659,516 @@
         </p:nvSpPr>
         <p:spPr/>
         <p:txBody>
-          <a:bodyPr/>
-          <a:lstStyle/>
-          <a:p>
-            <a:r>
-              <a:rPr lang="en-US" dirty="0" smtClean="0"/>
-              <a:t>Control </a:t>
-            </a:r>
-            <a:r>
-              <a:rPr lang="en-US" dirty="0" err="1" smtClean="0"/>
-              <a:t>Comms</a:t>
-            </a:r>
-            <a:endParaRPr lang="en-US" dirty="0" smtClean="0"/>
-          </a:p>
-          <a:p>
-            <a:r>
-              <a:rPr lang="en-US" dirty="0" smtClean="0"/>
-              <a:t>Payload </a:t>
-            </a:r>
-            <a:r>
-              <a:rPr lang="en-US" dirty="0" err="1" smtClean="0"/>
-              <a:t>Comms</a:t>
-            </a:r>
-            <a:endParaRPr lang="en-US" dirty="0" smtClean="0"/>
-          </a:p>
-          <a:p>
-            <a:r>
-              <a:rPr lang="en-US" dirty="0" smtClean="0"/>
-              <a:t>Antennas mounted to transit case</a:t>
-            </a:r>
-            <a:endParaRPr lang="en-US" dirty="0"/>
-          </a:p>
-        </p:txBody>
-      </p:sp>
+          <a:bodyPr>
+            <a:normAutofit lnSpcReduction="10000"/>
+          </a:bodyPr>
+          <a:lstStyle/>
+          <a:p>
+            <a:r>
+              <a:rPr lang="en-US" sz="2400" dirty="0" smtClean="0"/>
+              <a:t>Integrated Radios</a:t>
+            </a:r>
+          </a:p>
+          <a:p>
+            <a:pPr lvl="1"/>
+            <a:r>
+              <a:rPr lang="en-US" sz="2000" dirty="0" smtClean="0"/>
+              <a:t>UHF Band Control Link</a:t>
+            </a:r>
+          </a:p>
+          <a:p>
+            <a:pPr lvl="1"/>
+            <a:r>
+              <a:rPr lang="en-US" sz="2000" dirty="0" smtClean="0"/>
+              <a:t>Ku / L band payload link</a:t>
+            </a:r>
+            <a:endParaRPr lang="en-US" sz="2000" dirty="0" smtClean="0"/>
+          </a:p>
+          <a:p>
+            <a:r>
+              <a:rPr lang="en-US" sz="2400" dirty="0" smtClean="0"/>
+              <a:t>Can support multiple antenna options</a:t>
+            </a:r>
+          </a:p>
+          <a:p>
+            <a:pPr lvl="1"/>
+            <a:r>
+              <a:rPr lang="en-US" sz="2000" dirty="0" smtClean="0"/>
+              <a:t>Man portable (included in transit case)</a:t>
+            </a:r>
+          </a:p>
+          <a:p>
+            <a:pPr lvl="1"/>
+            <a:r>
+              <a:rPr lang="en-US" sz="2000" dirty="0" smtClean="0"/>
+              <a:t>Vehicle mounted (connect through auxiliary cables)</a:t>
+            </a:r>
+          </a:p>
+          <a:p>
+            <a:r>
+              <a:rPr lang="en-US" sz="2400" dirty="0" smtClean="0"/>
+              <a:t>Power Distribution Unit</a:t>
+            </a:r>
+            <a:endParaRPr lang="en-US" sz="2400" dirty="0"/>
+          </a:p>
+          <a:p>
+            <a:pPr lvl="1"/>
+            <a:r>
+              <a:rPr lang="en-US" sz="2000" dirty="0" smtClean="0"/>
+              <a:t>Powers all GCS equipment</a:t>
+            </a:r>
+          </a:p>
+          <a:p>
+            <a:pPr lvl="1"/>
+            <a:r>
+              <a:rPr lang="en-US" sz="2000" dirty="0" smtClean="0"/>
+              <a:t>Includes battery with 10 hour battery life</a:t>
+            </a:r>
+          </a:p>
+          <a:p>
+            <a:pPr lvl="1"/>
+            <a:r>
+              <a:rPr lang="en-US" sz="2000" dirty="0" smtClean="0"/>
+              <a:t>External power connections for 115 VAC and 12 VDC</a:t>
+            </a:r>
+          </a:p>
+          <a:p>
+            <a:r>
+              <a:rPr lang="en-US" sz="2400" dirty="0" smtClean="0"/>
+              <a:t>Additional Processing</a:t>
+            </a:r>
+          </a:p>
+          <a:p>
+            <a:pPr lvl="1"/>
+            <a:r>
+              <a:rPr lang="en-US" sz="2000" dirty="0" smtClean="0"/>
+              <a:t>Image processing capability for stitching wide area images</a:t>
+            </a:r>
+          </a:p>
+          <a:p>
+            <a:pPr lvl="1"/>
+            <a:r>
+              <a:rPr lang="en-US" sz="2000" dirty="0" smtClean="0"/>
+              <a:t>Auxiliary image/video storage</a:t>
+            </a:r>
+          </a:p>
+        </p:txBody>
+      </p:sp>
+      <p:pic>
+        <p:nvPicPr>
+          <p:cNvPr id="4" name="Picture 3"/>
+          <p:cNvPicPr>
+            <a:picLocks noChangeAspect="1"/>
+          </p:cNvPicPr>
+          <p:nvPr/>
+        </p:nvPicPr>
+        <p:blipFill>
+          <a:blip r:embed="rId2"/>
+          <a:stretch>
+            <a:fillRect/>
+          </a:stretch>
+        </p:blipFill>
+        <p:spPr>
+          <a:xfrm>
+            <a:off x="9071220" y="1488298"/>
+            <a:ext cx="1547898" cy="1162226"/>
+          </a:xfrm>
+          <a:prstGeom prst="rect">
+            <a:avLst/>
+          </a:prstGeom>
+        </p:spPr>
+      </p:pic>
+      <p:graphicFrame>
+        <p:nvGraphicFramePr>
+          <p:cNvPr id="5" name="Table 4"/>
+          <p:cNvGraphicFramePr>
+            <a:graphicFrameLocks noGrp="1"/>
+          </p:cNvGraphicFramePr>
+          <p:nvPr>
+            <p:extLst>
+              <p:ext uri="{D42A27DB-BD31-4B8C-83A1-F6EECF244321}">
+                <p14:modId xmlns:p14="http://schemas.microsoft.com/office/powerpoint/2010/main" val="4068453111"/>
+              </p:ext>
+            </p:extLst>
+          </p:nvPr>
+        </p:nvGraphicFramePr>
+        <p:xfrm>
+          <a:off x="8221340" y="2749726"/>
+          <a:ext cx="3759200" cy="2926080"/>
+        </p:xfrm>
+        <a:graphic>
+          <a:graphicData uri="http://schemas.openxmlformats.org/drawingml/2006/table">
+            <a:tbl>
+              <a:tblPr firstRow="1" bandRow="1">
+                <a:tableStyleId>{5C22544A-7EE6-4342-B048-85BDC9FD1C3A}</a:tableStyleId>
+              </a:tblPr>
+              <a:tblGrid>
+                <a:gridCol w="1581711"/>
+                <a:gridCol w="2177489"/>
+              </a:tblGrid>
+              <a:tr h="256550">
+                <a:tc>
+                  <a:txBody>
+                    <a:bodyPr/>
+                    <a:lstStyle/>
+                    <a:p>
+                      <a:endParaRPr lang="en-US" sz="1200" dirty="0"/>
+                    </a:p>
+                  </a:txBody>
+                  <a:tcPr/>
+                </a:tc>
+                <a:tc>
+                  <a:txBody>
+                    <a:bodyPr/>
+                    <a:lstStyle/>
+                    <a:p>
+                      <a:endParaRPr lang="en-US" sz="1200" dirty="0"/>
+                    </a:p>
+                  </a:txBody>
+                  <a:tcPr/>
+                </a:tc>
+              </a:tr>
+              <a:tr h="182880">
+                <a:tc>
+                  <a:txBody>
+                    <a:bodyPr/>
+                    <a:lstStyle/>
+                    <a:p>
+                      <a:pPr algn="ctr"/>
+                      <a:r>
+                        <a:rPr lang="en-US" sz="1200" dirty="0" smtClean="0"/>
+                        <a:t>Control Radio</a:t>
+                      </a:r>
+                      <a:endParaRPr lang="en-US" sz="1200" dirty="0"/>
+                    </a:p>
+                  </a:txBody>
+                  <a:tcPr/>
+                </a:tc>
+                <a:tc>
+                  <a:txBody>
+                    <a:bodyPr/>
+                    <a:lstStyle/>
+                    <a:p>
+                      <a:endParaRPr lang="en-US" sz="1200" dirty="0"/>
+                    </a:p>
+                  </a:txBody>
+                  <a:tcPr/>
+                </a:tc>
+              </a:tr>
+              <a:tr h="182880">
+                <a:tc>
+                  <a:txBody>
+                    <a:bodyPr/>
+                    <a:lstStyle/>
+                    <a:p>
+                      <a:pPr algn="ctr"/>
+                      <a:r>
+                        <a:rPr lang="en-US" sz="1200" dirty="0" smtClean="0"/>
+                        <a:t>Model</a:t>
+                      </a:r>
+                      <a:endParaRPr lang="en-US" sz="1200" dirty="0"/>
+                    </a:p>
+                  </a:txBody>
+                  <a:tcPr/>
+                </a:tc>
+                <a:tc>
+                  <a:txBody>
+                    <a:bodyPr/>
+                    <a:lstStyle/>
+                    <a:p>
+                      <a:pPr marL="0" marR="0" lvl="0" indent="0" algn="l" defTabSz="914400" rtl="0" eaLnBrk="1" fontAlgn="auto" latinLnBrk="0" hangingPunct="1">
+                        <a:lnSpc>
+                          <a:spcPct val="100000"/>
+                        </a:lnSpc>
+                        <a:spcBef>
+                          <a:spcPts val="0"/>
+                        </a:spcBef>
+                        <a:spcAft>
+                          <a:spcPts val="0"/>
+                        </a:spcAft>
+                        <a:buClrTx/>
+                        <a:buSzTx/>
+                        <a:buFontTx/>
+                        <a:buNone/>
+                        <a:tabLst/>
+                        <a:defRPr/>
+                      </a:pPr>
+                      <a:r>
+                        <a:rPr lang="en-US" sz="1200" dirty="0" smtClean="0"/>
+                        <a:t>Atlas</a:t>
+                      </a:r>
+                      <a:r>
+                        <a:rPr lang="en-US" sz="1200" baseline="0" dirty="0" smtClean="0"/>
+                        <a:t> </a:t>
+                      </a:r>
+                      <a:r>
+                        <a:rPr lang="en-US" sz="1200" baseline="0" dirty="0" err="1" smtClean="0"/>
+                        <a:t>Inc</a:t>
+                      </a:r>
+                      <a:r>
+                        <a:rPr lang="en-US" sz="1200" baseline="0" dirty="0" smtClean="0"/>
+                        <a:t> XR Datalink</a:t>
+                      </a:r>
+                      <a:endParaRPr lang="en-US" sz="1200" dirty="0" smtClean="0"/>
+                    </a:p>
+                  </a:txBody>
+                  <a:tcPr/>
+                </a:tc>
+              </a:tr>
+              <a:tr h="182880">
+                <a:tc>
+                  <a:txBody>
+                    <a:bodyPr/>
+                    <a:lstStyle/>
+                    <a:p>
+                      <a:pPr algn="ctr"/>
+                      <a:r>
+                        <a:rPr lang="en-US" sz="1200" dirty="0" smtClean="0"/>
+                        <a:t>Payload</a:t>
+                      </a:r>
+                      <a:r>
+                        <a:rPr lang="en-US" sz="1200" baseline="0" dirty="0" smtClean="0"/>
+                        <a:t> Radio</a:t>
+                      </a:r>
+                      <a:endParaRPr lang="en-US" sz="1200" dirty="0"/>
+                    </a:p>
+                  </a:txBody>
+                  <a:tcPr/>
+                </a:tc>
+                <a:tc>
+                  <a:txBody>
+                    <a:bodyPr/>
+                    <a:lstStyle/>
+                    <a:p>
+                      <a:endParaRPr lang="en-US" sz="1200" dirty="0"/>
+                    </a:p>
+                  </a:txBody>
+                  <a:tcPr/>
+                </a:tc>
+              </a:tr>
+              <a:tr h="182880">
+                <a:tc>
+                  <a:txBody>
+                    <a:bodyPr/>
+                    <a:lstStyle/>
+                    <a:p>
+                      <a:pPr algn="ctr"/>
+                      <a:r>
+                        <a:rPr lang="en-US" sz="1200" dirty="0" smtClean="0"/>
+                        <a:t>Model</a:t>
+                      </a:r>
+                      <a:endParaRPr lang="en-US" sz="1200" dirty="0"/>
+                    </a:p>
+                  </a:txBody>
+                  <a:tcPr/>
+                </a:tc>
+                <a:tc>
+                  <a:txBody>
+                    <a:bodyPr/>
+                    <a:lstStyle/>
+                    <a:p>
+                      <a:pPr marL="0" marR="0" lvl="0" indent="0" algn="l" defTabSz="914400" rtl="0" eaLnBrk="1" fontAlgn="auto" latinLnBrk="0" hangingPunct="1">
+                        <a:lnSpc>
+                          <a:spcPct val="100000"/>
+                        </a:lnSpc>
+                        <a:spcBef>
+                          <a:spcPts val="0"/>
+                        </a:spcBef>
+                        <a:spcAft>
+                          <a:spcPts val="0"/>
+                        </a:spcAft>
+                        <a:buClrTx/>
+                        <a:buSzTx/>
+                        <a:buFontTx/>
+                        <a:buNone/>
+                        <a:tabLst/>
+                        <a:defRPr/>
+                      </a:pPr>
+                      <a:r>
+                        <a:rPr lang="en-US" sz="1200" dirty="0" smtClean="0"/>
+                        <a:t>Z4</a:t>
+                      </a:r>
+                      <a:r>
+                        <a:rPr lang="en-US" sz="1200" baseline="0" dirty="0" smtClean="0"/>
+                        <a:t> Technologies Multi-band Datalink</a:t>
+                      </a:r>
+                      <a:endParaRPr lang="en-US" sz="1200" dirty="0" smtClean="0"/>
+                    </a:p>
+                  </a:txBody>
+                  <a:tcPr/>
+                </a:tc>
+              </a:tr>
+              <a:tr h="182880">
+                <a:tc>
+                  <a:txBody>
+                    <a:bodyPr/>
+                    <a:lstStyle/>
+                    <a:p>
+                      <a:pPr algn="ctr"/>
+                      <a:r>
+                        <a:rPr lang="en-US" sz="1200" dirty="0" smtClean="0"/>
+                        <a:t>Processor</a:t>
+                      </a:r>
+                      <a:endParaRPr lang="en-US" sz="1200" dirty="0"/>
+                    </a:p>
+                  </a:txBody>
+                  <a:tcPr/>
+                </a:tc>
+                <a:tc>
+                  <a:txBody>
+                    <a:bodyPr/>
+                    <a:lstStyle/>
+                    <a:p>
+                      <a:endParaRPr lang="en-US" sz="1200" dirty="0"/>
+                    </a:p>
+                  </a:txBody>
+                  <a:tcPr/>
+                </a:tc>
+              </a:tr>
+              <a:tr h="182880">
+                <a:tc>
+                  <a:txBody>
+                    <a:bodyPr/>
+                    <a:lstStyle/>
+                    <a:p>
+                      <a:r>
+                        <a:rPr lang="en-US" sz="1200" dirty="0" smtClean="0"/>
+                        <a:t>Weight</a:t>
+                      </a:r>
+                      <a:endParaRPr lang="en-US" sz="1200" dirty="0"/>
+                    </a:p>
+                  </a:txBody>
+                  <a:tcPr/>
+                </a:tc>
+                <a:tc>
+                  <a:txBody>
+                    <a:bodyPr/>
+                    <a:lstStyle/>
+                    <a:p>
+                      <a:r>
+                        <a:rPr lang="en-US" sz="1200" dirty="0" smtClean="0"/>
+                        <a:t>40 </a:t>
+                      </a:r>
+                      <a:r>
+                        <a:rPr lang="en-US" sz="1200" dirty="0" err="1" smtClean="0"/>
+                        <a:t>lb</a:t>
+                      </a:r>
+                      <a:r>
+                        <a:rPr lang="en-US" sz="1200" dirty="0" smtClean="0"/>
+                        <a:t> (with laptop)</a:t>
+                      </a:r>
+                      <a:endParaRPr lang="en-US" sz="1200" dirty="0"/>
+                    </a:p>
+                  </a:txBody>
+                  <a:tcPr/>
+                </a:tc>
+              </a:tr>
+              <a:tr h="182880">
+                <a:tc>
+                  <a:txBody>
+                    <a:bodyPr/>
+                    <a:lstStyle/>
+                    <a:p>
+                      <a:r>
+                        <a:rPr lang="en-US" sz="1200" dirty="0" smtClean="0"/>
+                        <a:t>Processor</a:t>
+                      </a:r>
+                      <a:endParaRPr lang="en-US" sz="1200" dirty="0"/>
+                    </a:p>
+                  </a:txBody>
+                  <a:tcPr/>
+                </a:tc>
+                <a:tc>
+                  <a:txBody>
+                    <a:bodyPr/>
+                    <a:lstStyle/>
+                    <a:p>
+                      <a:r>
+                        <a:rPr lang="en-US" sz="1200" dirty="0" smtClean="0"/>
+                        <a:t>Quad Core Intel Processor</a:t>
+                      </a:r>
+                      <a:endParaRPr lang="en-US" sz="1200" dirty="0"/>
+                    </a:p>
+                  </a:txBody>
+                  <a:tcPr/>
+                </a:tc>
+              </a:tr>
+              <a:tr h="182880">
+                <a:tc>
+                  <a:txBody>
+                    <a:bodyPr/>
+                    <a:lstStyle/>
+                    <a:p>
+                      <a:r>
+                        <a:rPr lang="en-US" sz="1200" dirty="0" smtClean="0"/>
+                        <a:t>Storage</a:t>
+                      </a:r>
+                      <a:endParaRPr lang="en-US" sz="1200" dirty="0"/>
+                    </a:p>
+                  </a:txBody>
+                  <a:tcPr/>
+                </a:tc>
+                <a:tc>
+                  <a:txBody>
+                    <a:bodyPr/>
+                    <a:lstStyle/>
+                    <a:p>
+                      <a:r>
+                        <a:rPr lang="en-US" sz="1200" dirty="0" smtClean="0"/>
+                        <a:t>10</a:t>
+                      </a:r>
+                      <a:r>
+                        <a:rPr lang="en-US" sz="1200" baseline="0" dirty="0" smtClean="0"/>
+                        <a:t> </a:t>
+                      </a:r>
+                      <a:r>
+                        <a:rPr lang="en-US" sz="1200" baseline="0" dirty="0" smtClean="0"/>
+                        <a:t>TB Solid State</a:t>
+                      </a:r>
+                      <a:endParaRPr lang="en-US" sz="1200" dirty="0"/>
+                    </a:p>
+                  </a:txBody>
+                  <a:tcPr/>
+                </a:tc>
+              </a:tr>
+              <a:tr h="182880">
+                <a:tc>
+                  <a:txBody>
+                    <a:bodyPr/>
+                    <a:lstStyle/>
+                    <a:p>
+                      <a:r>
+                        <a:rPr lang="en-US" sz="1200" dirty="0" smtClean="0"/>
+                        <a:t>RAM</a:t>
+                      </a:r>
+                      <a:endParaRPr lang="en-US" sz="1200" dirty="0"/>
+                    </a:p>
+                  </a:txBody>
+                  <a:tcPr/>
+                </a:tc>
+                <a:tc>
+                  <a:txBody>
+                    <a:bodyPr/>
+                    <a:lstStyle/>
+                    <a:p>
+                      <a:r>
+                        <a:rPr lang="en-US" sz="1200" dirty="0" smtClean="0"/>
+                        <a:t>32 </a:t>
+                      </a:r>
+                      <a:r>
+                        <a:rPr lang="en-US" sz="1200" dirty="0" smtClean="0"/>
+                        <a:t>GB</a:t>
+                      </a:r>
+                      <a:endParaRPr lang="en-US" sz="1200" dirty="0"/>
+                    </a:p>
+                  </a:txBody>
+                  <a:tcPr/>
+                </a:tc>
+              </a:tr>
+            </a:tbl>
+          </a:graphicData>
+        </a:graphic>
+      </p:graphicFrame>
     </p:spTree>
     <p:extLst>
       <p:ext uri="{BB962C8B-B14F-4D97-AF65-F5344CB8AC3E}">
@@ -4111,7 +5216,7 @@
           <a:p>
             <a:r>
               <a:rPr lang="en-US" dirty="0" smtClean="0"/>
-              <a:t>Power System</a:t>
+              <a:t>Transportability</a:t>
             </a:r>
             <a:endParaRPr lang="en-US" dirty="0"/>
           </a:p>
@@ -4127,113 +5232,140 @@
             <p:ph idx="1"/>
           </p:nvPr>
         </p:nvSpPr>
-        <p:spPr/>
+        <p:spPr>
+          <a:xfrm>
+            <a:off x="838200" y="1587500"/>
+            <a:ext cx="7382774" cy="4589463"/>
+          </a:xfrm>
+        </p:spPr>
         <p:txBody>
           <a:bodyPr/>
           <a:lstStyle/>
           <a:p>
             <a:r>
               <a:rPr lang="en-US" dirty="0" smtClean="0"/>
-              <a:t>Battery located in control case</a:t>
+              <a:t>All Nomad equipment (including vehicle) is transportable in two transit cases</a:t>
             </a:r>
           </a:p>
           <a:p>
             <a:r>
               <a:rPr lang="en-US" dirty="0" smtClean="0"/>
-              <a:t>Connections for shore power</a:t>
-            </a:r>
-            <a:endParaRPr lang="en-US" dirty="0"/>
-          </a:p>
-        </p:txBody>
-      </p:sp>
-    </p:spTree>
-    <p:extLst>
-      <p:ext uri="{BB962C8B-B14F-4D97-AF65-F5344CB8AC3E}">
-        <p14:creationId xmlns:p14="http://schemas.microsoft.com/office/powerpoint/2010/main" val="66819406"/>
-      </p:ext>
-    </p:extLst>
-  </p:cSld>
-  <p:clrMapOvr>
-    <a:masterClrMapping/>
-  </p:clrMapOvr>
-</p:sld>
-</file>
-
-<file path=ppt/slides/slide7.xml><?xml version="1.0" encoding="utf-8"?>
-<p:sld xmlns:a="http://schemas.openxmlformats.org/drawingml/2006/main" xmlns:r="http://schemas.openxmlformats.org/officeDocument/2006/relationships" xmlns:p="http://schemas.openxmlformats.org/presentationml/2006/main">
-  <p:cSld>
-    <p:spTree>
-      <p:nvGrpSpPr>
-        <p:cNvPr id="1" name=""/>
-        <p:cNvGrpSpPr/>
-        <p:nvPr/>
-      </p:nvGrpSpPr>
-      <p:grpSpPr>
-        <a:xfrm>
-          <a:off x="0" y="0"/>
-          <a:ext cx="0" cy="0"/>
-          <a:chOff x="0" y="0"/>
-          <a:chExt cx="0" cy="0"/>
-        </a:xfrm>
-      </p:grpSpPr>
-      <p:sp>
-        <p:nvSpPr>
-          <p:cNvPr id="2" name="Title 1"/>
-          <p:cNvSpPr>
-            <a:spLocks noGrp="1"/>
-          </p:cNvSpPr>
-          <p:nvPr>
-            <p:ph type="title"/>
-          </p:nvPr>
-        </p:nvSpPr>
-        <p:spPr/>
-        <p:txBody>
-          <a:bodyPr/>
-          <a:lstStyle/>
-          <a:p>
+              <a:t>Designed to be unloaded and operational within 10 minutes</a:t>
+            </a:r>
+            <a:r>
+              <a:rPr lang="en-US" dirty="0"/>
+              <a:t> </a:t>
+            </a:r>
             <a:r>
               <a:rPr lang="en-US" dirty="0" smtClean="0"/>
-              <a:t>Transportability</a:t>
-            </a:r>
-            <a:endParaRPr lang="en-US" dirty="0"/>
-          </a:p>
-        </p:txBody>
-      </p:sp>
-      <p:sp>
-        <p:nvSpPr>
-          <p:cNvPr id="3" name="Content Placeholder 2"/>
-          <p:cNvSpPr>
-            <a:spLocks noGrp="1"/>
-          </p:cNvSpPr>
-          <p:nvPr>
-            <p:ph idx="1"/>
-          </p:nvPr>
-        </p:nvSpPr>
-        <p:spPr/>
-        <p:txBody>
-          <a:bodyPr/>
-          <a:lstStyle/>
+              <a:t>by a single operator</a:t>
+            </a:r>
+          </a:p>
           <a:p>
             <a:r>
               <a:rPr lang="en-US" dirty="0" smtClean="0"/>
-              <a:t>Describe two transit cases</a:t>
-            </a:r>
-          </a:p>
-          <a:p>
+              <a:t>&lt;100 </a:t>
+            </a:r>
+            <a:r>
+              <a:rPr lang="en-US" dirty="0" err="1" smtClean="0"/>
+              <a:t>lb</a:t>
+            </a:r>
             <a:r>
               <a:rPr lang="en-US" dirty="0" smtClean="0"/>
-              <a:t>Explain setup time</a:t>
-            </a:r>
-          </a:p>
-          <a:p>
-            <a:r>
-              <a:rPr lang="en-US" dirty="0" smtClean="0"/>
-              <a:t>Weight</a:t>
-            </a:r>
-            <a:endParaRPr lang="en-US" dirty="0"/>
-          </a:p>
-        </p:txBody>
-      </p:sp>
+              <a:t> total weight</a:t>
+            </a:r>
+          </a:p>
+        </p:txBody>
+      </p:sp>
+      <p:pic>
+        <p:nvPicPr>
+          <p:cNvPr id="4" name="Picture 3"/>
+          <p:cNvPicPr>
+            <a:picLocks noChangeAspect="1"/>
+          </p:cNvPicPr>
+          <p:nvPr/>
+        </p:nvPicPr>
+        <p:blipFill>
+          <a:blip r:embed="rId2"/>
+          <a:stretch>
+            <a:fillRect/>
+          </a:stretch>
+        </p:blipFill>
+        <p:spPr>
+          <a:xfrm>
+            <a:off x="7359143" y="4002747"/>
+            <a:ext cx="2205216" cy="1447477"/>
+          </a:xfrm>
+          <a:prstGeom prst="rect">
+            <a:avLst/>
+          </a:prstGeom>
+        </p:spPr>
+      </p:pic>
+      <p:pic>
+        <p:nvPicPr>
+          <p:cNvPr id="5" name="Picture 4"/>
+          <p:cNvPicPr>
+            <a:picLocks noChangeAspect="1"/>
+          </p:cNvPicPr>
+          <p:nvPr/>
+        </p:nvPicPr>
+        <p:blipFill>
+          <a:blip r:embed="rId3"/>
+          <a:stretch>
+            <a:fillRect/>
+          </a:stretch>
+        </p:blipFill>
+        <p:spPr>
+          <a:xfrm>
+            <a:off x="9826929" y="3882231"/>
+            <a:ext cx="2244575" cy="2858697"/>
+          </a:xfrm>
+          <a:prstGeom prst="rect">
+            <a:avLst/>
+          </a:prstGeom>
+        </p:spPr>
+      </p:pic>
+      <p:pic>
+        <p:nvPicPr>
+          <p:cNvPr id="6" name="Picture 4" descr="Image result for jltv"/>
+          <p:cNvPicPr>
+            <a:picLocks noChangeAspect="1" noChangeArrowheads="1"/>
+          </p:cNvPicPr>
+          <p:nvPr/>
+        </p:nvPicPr>
+        <p:blipFill>
+          <a:blip r:embed="rId4" cstate="print">
+            <a:extLst>
+              <a:ext uri="{28A0092B-C50C-407E-A947-70E740481C1C}">
+                <a14:useLocalDpi xmlns:a14="http://schemas.microsoft.com/office/drawing/2010/main" val="0"/>
+              </a:ext>
+            </a:extLst>
+          </a:blip>
+          <a:srcRect/>
+          <a:stretch>
+            <a:fillRect/>
+          </a:stretch>
+        </p:blipFill>
+        <p:spPr bwMode="auto">
+          <a:xfrm>
+            <a:off x="8283253" y="1072560"/>
+            <a:ext cx="3788251" cy="3347758"/>
+          </a:xfrm>
+          <a:prstGeom prst="rect">
+            <a:avLst/>
+          </a:prstGeom>
+          <a:noFill/>
+          <a:extLst>
+            <a:ext uri="{909E8E84-426E-40DD-AFC4-6F175D3DCCD1}">
+              <a14:hiddenFill xmlns:a14="http://schemas.microsoft.com/office/drawing/2010/main">
+                <a:solidFill>
+                  <a:srgbClr val="FFFFFF"/>
+                </a:solidFill>
+              </a14:hiddenFill>
+            </a:ext>
+          </a:extLst>
+        </p:spPr>
+      </p:pic>
     </p:spTree>
     <p:extLst>
       <p:ext uri="{BB962C8B-B14F-4D97-AF65-F5344CB8AC3E}">

--- a/Documents/Ground Control Station Overview.pptx
+++ b/Documents/Ground Control Station Overview.pptx
@@ -296,7 +296,7 @@
           <a:p>
             <a:fld id="{7641C023-4088-4D75-BBD8-CE482B98921B}" type="datetimeFigureOut">
               <a:rPr lang="en-US" smtClean="0"/>
-              <a:t>12/5/2019</a:t>
+              <a:t>1/4/2020</a:t>
             </a:fld>
             <a:endParaRPr lang="en-US"/>
           </a:p>
@@ -522,7 +522,7 @@
           <a:p>
             <a:fld id="{7641C023-4088-4D75-BBD8-CE482B98921B}" type="datetimeFigureOut">
               <a:rPr lang="en-US" smtClean="0"/>
-              <a:t>12/5/2019</a:t>
+              <a:t>1/4/2020</a:t>
             </a:fld>
             <a:endParaRPr lang="en-US"/>
           </a:p>
@@ -710,7 +710,7 @@
           <a:p>
             <a:fld id="{7641C023-4088-4D75-BBD8-CE482B98921B}" type="datetimeFigureOut">
               <a:rPr lang="en-US" smtClean="0"/>
-              <a:t>12/5/2019</a:t>
+              <a:t>1/4/2020</a:t>
             </a:fld>
             <a:endParaRPr lang="en-US"/>
           </a:p>
@@ -944,7 +944,7 @@
           <a:p>
             <a:fld id="{7641C023-4088-4D75-BBD8-CE482B98921B}" type="datetimeFigureOut">
               <a:rPr lang="en-US" smtClean="0"/>
-              <a:t>12/5/2019</a:t>
+              <a:t>1/4/2020</a:t>
             </a:fld>
             <a:endParaRPr lang="en-US"/>
           </a:p>
@@ -1246,7 +1246,7 @@
           <a:p>
             <a:fld id="{7641C023-4088-4D75-BBD8-CE482B98921B}" type="datetimeFigureOut">
               <a:rPr lang="en-US" smtClean="0"/>
-              <a:t>12/5/2019</a:t>
+              <a:t>1/4/2020</a:t>
             </a:fld>
             <a:endParaRPr lang="en-US"/>
           </a:p>
@@ -1511,7 +1511,7 @@
           <a:p>
             <a:fld id="{7641C023-4088-4D75-BBD8-CE482B98921B}" type="datetimeFigureOut">
               <a:rPr lang="en-US" smtClean="0"/>
-              <a:t>12/5/2019</a:t>
+              <a:t>1/4/2020</a:t>
             </a:fld>
             <a:endParaRPr lang="en-US"/>
           </a:p>
@@ -1980,7 +1980,7 @@
           <a:p>
             <a:fld id="{7641C023-4088-4D75-BBD8-CE482B98921B}" type="datetimeFigureOut">
               <a:rPr lang="en-US" smtClean="0"/>
-              <a:t>12/5/2019</a:t>
+              <a:t>1/4/2020</a:t>
             </a:fld>
             <a:endParaRPr lang="en-US"/>
           </a:p>
@@ -2205,7 +2205,7 @@
           <a:p>
             <a:fld id="{7641C023-4088-4D75-BBD8-CE482B98921B}" type="datetimeFigureOut">
               <a:rPr lang="en-US" smtClean="0"/>
-              <a:t>12/5/2019</a:t>
+              <a:t>1/4/2020</a:t>
             </a:fld>
             <a:endParaRPr lang="en-US"/>
           </a:p>
@@ -2430,7 +2430,7 @@
           <a:p>
             <a:fld id="{7641C023-4088-4D75-BBD8-CE482B98921B}" type="datetimeFigureOut">
               <a:rPr lang="en-US" smtClean="0"/>
-              <a:t>12/5/2019</a:t>
+              <a:t>1/4/2020</a:t>
             </a:fld>
             <a:endParaRPr lang="en-US"/>
           </a:p>
@@ -2715,7 +2715,7 @@
           <a:p>
             <a:fld id="{7641C023-4088-4D75-BBD8-CE482B98921B}" type="datetimeFigureOut">
               <a:rPr lang="en-US" smtClean="0"/>
-              <a:t>12/5/2019</a:t>
+              <a:t>1/4/2020</a:t>
             </a:fld>
             <a:endParaRPr lang="en-US"/>
           </a:p>
@@ -2976,7 +2976,7 @@
           <a:p>
             <a:fld id="{7641C023-4088-4D75-BBD8-CE482B98921B}" type="datetimeFigureOut">
               <a:rPr lang="en-US" smtClean="0"/>
-              <a:t>12/5/2019</a:t>
+              <a:t>1/4/2020</a:t>
             </a:fld>
             <a:endParaRPr lang="en-US"/>
           </a:p>
@@ -3197,7 +3197,7 @@
           <a:p>
             <a:fld id="{7641C023-4088-4D75-BBD8-CE482B98921B}" type="datetimeFigureOut">
               <a:rPr lang="en-US" smtClean="0"/>
-              <a:t>12/5/2019</a:t>
+              <a:t>1/4/2020</a:t>
             </a:fld>
             <a:endParaRPr lang="en-US"/>
           </a:p>
@@ -3864,7 +3864,7 @@
         </p:nvSpPr>
         <p:spPr>
           <a:xfrm>
-            <a:off x="6216499" y="5878273"/>
+            <a:off x="6396804" y="5445493"/>
             <a:ext cx="6096000" cy="954107"/>
           </a:xfrm>
           <a:prstGeom prst="rect">
@@ -4457,11 +4457,7 @@
                       </a:r>
                       <a:r>
                         <a:rPr lang="en-US" sz="1200" baseline="0" dirty="0" smtClean="0"/>
-                        <a:t>Solid </a:t>
-                      </a:r>
-                      <a:r>
-                        <a:rPr lang="en-US" sz="1200" baseline="0" dirty="0" smtClean="0"/>
-                        <a:t>State</a:t>
+                        <a:t>Solid State</a:t>
                       </a:r>
                       <a:endParaRPr lang="en-US" sz="1200" dirty="0"/>
                     </a:p>
@@ -4491,11 +4487,7 @@
                     <a:p>
                       <a:r>
                         <a:rPr lang="en-US" sz="1200" dirty="0" smtClean="0"/>
-                        <a:t>32 </a:t>
-                      </a:r>
-                      <a:r>
-                        <a:rPr lang="en-US" sz="1200" dirty="0" smtClean="0"/>
-                        <a:t>GB</a:t>
+                        <a:t>32 GB</a:t>
                       </a:r>
                       <a:endParaRPr lang="en-US" sz="1200" dirty="0"/>
                     </a:p>
@@ -4682,7 +4674,6 @@
               <a:rPr lang="en-US" sz="2000" dirty="0" smtClean="0"/>
               <a:t>Ku / L band payload link</a:t>
             </a:r>
-            <a:endParaRPr lang="en-US" sz="2000" dirty="0" smtClean="0"/>
           </a:p>
           <a:p>
             <a:r>
@@ -5119,11 +5110,7 @@
                       </a:r>
                       <a:r>
                         <a:rPr lang="en-US" sz="1200" baseline="0" dirty="0" smtClean="0"/>
-                        <a:t> </a:t>
-                      </a:r>
-                      <a:r>
-                        <a:rPr lang="en-US" sz="1200" baseline="0" dirty="0" smtClean="0"/>
-                        <a:t>TB Solid State</a:t>
+                        <a:t> TB Solid State</a:t>
                       </a:r>
                       <a:endParaRPr lang="en-US" sz="1200" dirty="0"/>
                     </a:p>
@@ -5153,11 +5140,7 @@
                     <a:p>
                       <a:r>
                         <a:rPr lang="en-US" sz="1200" dirty="0" smtClean="0"/>
-                        <a:t>32 </a:t>
-                      </a:r>
-                      <a:r>
-                        <a:rPr lang="en-US" sz="1200" dirty="0" smtClean="0"/>
-                        <a:t>GB</a:t>
+                        <a:t>32 GB</a:t>
                       </a:r>
                       <a:endParaRPr lang="en-US" sz="1200" dirty="0"/>
                     </a:p>
